--- a/figures/bep.pptx
+++ b/figures/bep.pptx
@@ -104,6 +104,11 @@
       </a:defRPr>
     </a:lvl9pPr>
   </p:defaultTextStyle>
+  <p:extLst>
+    <p:ext uri="{EFAFB233-063F-42B5-8137-9DF3F51BA10A}">
+      <p15:sldGuideLst xmlns:p15="http://schemas.microsoft.com/office/powerpoint/2012/main"/>
+    </p:ext>
+  </p:extLst>
 </p:presentation>
 </file>
 
@@ -238,7 +243,7 @@
           <a:p>
             <a:fld id="{4DABAF70-2D92-4F11-A82D-31ADC17D46CB}" type="datetimeFigureOut">
               <a:rPr lang="en-CA" smtClean="0"/>
-              <a:t>2017-03-13</a:t>
+              <a:t>2017-05-31</a:t>
             </a:fld>
             <a:endParaRPr lang="en-CA"/>
           </a:p>
@@ -408,7 +413,7 @@
           <a:p>
             <a:fld id="{4DABAF70-2D92-4F11-A82D-31ADC17D46CB}" type="datetimeFigureOut">
               <a:rPr lang="en-CA" smtClean="0"/>
-              <a:t>2017-03-13</a:t>
+              <a:t>2017-05-31</a:t>
             </a:fld>
             <a:endParaRPr lang="en-CA"/>
           </a:p>
@@ -588,7 +593,7 @@
           <a:p>
             <a:fld id="{4DABAF70-2D92-4F11-A82D-31ADC17D46CB}" type="datetimeFigureOut">
               <a:rPr lang="en-CA" smtClean="0"/>
-              <a:t>2017-03-13</a:t>
+              <a:t>2017-05-31</a:t>
             </a:fld>
             <a:endParaRPr lang="en-CA"/>
           </a:p>
@@ -758,7 +763,7 @@
           <a:p>
             <a:fld id="{4DABAF70-2D92-4F11-A82D-31ADC17D46CB}" type="datetimeFigureOut">
               <a:rPr lang="en-CA" smtClean="0"/>
-              <a:t>2017-03-13</a:t>
+              <a:t>2017-05-31</a:t>
             </a:fld>
             <a:endParaRPr lang="en-CA"/>
           </a:p>
@@ -1004,7 +1009,7 @@
           <a:p>
             <a:fld id="{4DABAF70-2D92-4F11-A82D-31ADC17D46CB}" type="datetimeFigureOut">
               <a:rPr lang="en-CA" smtClean="0"/>
-              <a:t>2017-03-13</a:t>
+              <a:t>2017-05-31</a:t>
             </a:fld>
             <a:endParaRPr lang="en-CA"/>
           </a:p>
@@ -1236,7 +1241,7 @@
           <a:p>
             <a:fld id="{4DABAF70-2D92-4F11-A82D-31ADC17D46CB}" type="datetimeFigureOut">
               <a:rPr lang="en-CA" smtClean="0"/>
-              <a:t>2017-03-13</a:t>
+              <a:t>2017-05-31</a:t>
             </a:fld>
             <a:endParaRPr lang="en-CA"/>
           </a:p>
@@ -1603,7 +1608,7 @@
           <a:p>
             <a:fld id="{4DABAF70-2D92-4F11-A82D-31ADC17D46CB}" type="datetimeFigureOut">
               <a:rPr lang="en-CA" smtClean="0"/>
-              <a:t>2017-03-13</a:t>
+              <a:t>2017-05-31</a:t>
             </a:fld>
             <a:endParaRPr lang="en-CA"/>
           </a:p>
@@ -1721,7 +1726,7 @@
           <a:p>
             <a:fld id="{4DABAF70-2D92-4F11-A82D-31ADC17D46CB}" type="datetimeFigureOut">
               <a:rPr lang="en-CA" smtClean="0"/>
-              <a:t>2017-03-13</a:t>
+              <a:t>2017-05-31</a:t>
             </a:fld>
             <a:endParaRPr lang="en-CA"/>
           </a:p>
@@ -1816,7 +1821,7 @@
           <a:p>
             <a:fld id="{4DABAF70-2D92-4F11-A82D-31ADC17D46CB}" type="datetimeFigureOut">
               <a:rPr lang="en-CA" smtClean="0"/>
-              <a:t>2017-03-13</a:t>
+              <a:t>2017-05-31</a:t>
             </a:fld>
             <a:endParaRPr lang="en-CA"/>
           </a:p>
@@ -2093,7 +2098,7 @@
           <a:p>
             <a:fld id="{4DABAF70-2D92-4F11-A82D-31ADC17D46CB}" type="datetimeFigureOut">
               <a:rPr lang="en-CA" smtClean="0"/>
-              <a:t>2017-03-13</a:t>
+              <a:t>2017-05-31</a:t>
             </a:fld>
             <a:endParaRPr lang="en-CA"/>
           </a:p>
@@ -2346,7 +2351,7 @@
           <a:p>
             <a:fld id="{4DABAF70-2D92-4F11-A82D-31ADC17D46CB}" type="datetimeFigureOut">
               <a:rPr lang="en-CA" smtClean="0"/>
-              <a:t>2017-03-13</a:t>
+              <a:t>2017-05-31</a:t>
             </a:fld>
             <a:endParaRPr lang="en-CA"/>
           </a:p>
@@ -2559,7 +2564,7 @@
           <a:p>
             <a:fld id="{4DABAF70-2D92-4F11-A82D-31ADC17D46CB}" type="datetimeFigureOut">
               <a:rPr lang="en-CA" smtClean="0"/>
-              <a:t>2017-03-13</a:t>
+              <a:t>2017-05-31</a:t>
             </a:fld>
             <a:endParaRPr lang="en-CA"/>
           </a:p>
@@ -3069,8 +3074,8 @@
         </p:nvSpPr>
         <p:spPr>
           <a:xfrm>
-            <a:off x="2467647" y="474502"/>
-            <a:ext cx="6979640" cy="5161563"/>
+            <a:off x="2467647" y="866855"/>
+            <a:ext cx="6992892" cy="5185588"/>
           </a:xfrm>
           <a:custGeom>
             <a:avLst/>
@@ -3175,6 +3180,46 @@
               <a:gd name="connsiteY3" fmla="*/ 4841579 h 5161563"/>
               <a:gd name="connsiteX4" fmla="*/ 6979640 w 6979640"/>
               <a:gd name="connsiteY4" fmla="*/ 4388573 h 5161563"/>
+              <a:gd name="connsiteX0" fmla="*/ 0 w 6979640"/>
+              <a:gd name="connsiteY0" fmla="*/ 985369 h 4761618"/>
+              <a:gd name="connsiteX1" fmla="*/ 847288 w 6979640"/>
+              <a:gd name="connsiteY1" fmla="*/ 1580988 h 4761618"/>
+              <a:gd name="connsiteX2" fmla="*/ 2662835 w 6979640"/>
+              <a:gd name="connsiteY2" fmla="*/ 79116 h 4761618"/>
+              <a:gd name="connsiteX3" fmla="*/ 5251508 w 6979640"/>
+              <a:gd name="connsiteY3" fmla="*/ 4441634 h 4761618"/>
+              <a:gd name="connsiteX4" fmla="*/ 6979640 w 6979640"/>
+              <a:gd name="connsiteY4" fmla="*/ 3988628 h 4761618"/>
+              <a:gd name="connsiteX0" fmla="*/ 0 w 6979640"/>
+              <a:gd name="connsiteY0" fmla="*/ 972525 h 4748774"/>
+              <a:gd name="connsiteX1" fmla="*/ 847288 w 6979640"/>
+              <a:gd name="connsiteY1" fmla="*/ 1568144 h 4748774"/>
+              <a:gd name="connsiteX2" fmla="*/ 2782104 w 6979640"/>
+              <a:gd name="connsiteY2" fmla="*/ 79525 h 4748774"/>
+              <a:gd name="connsiteX3" fmla="*/ 5251508 w 6979640"/>
+              <a:gd name="connsiteY3" fmla="*/ 4428790 h 4748774"/>
+              <a:gd name="connsiteX4" fmla="*/ 6979640 w 6979640"/>
+              <a:gd name="connsiteY4" fmla="*/ 3975784 h 4748774"/>
+              <a:gd name="connsiteX0" fmla="*/ 0 w 6979640"/>
+              <a:gd name="connsiteY0" fmla="*/ 992963 h 5125869"/>
+              <a:gd name="connsiteX1" fmla="*/ 847288 w 6979640"/>
+              <a:gd name="connsiteY1" fmla="*/ 1588582 h 5125869"/>
+              <a:gd name="connsiteX2" fmla="*/ 2782104 w 6979640"/>
+              <a:gd name="connsiteY2" fmla="*/ 99963 h 5125869"/>
+              <a:gd name="connsiteX3" fmla="*/ 5278012 w 6979640"/>
+              <a:gd name="connsiteY3" fmla="*/ 4886550 h 5125869"/>
+              <a:gd name="connsiteX4" fmla="*/ 6979640 w 6979640"/>
+              <a:gd name="connsiteY4" fmla="*/ 3996222 h 5125869"/>
+              <a:gd name="connsiteX0" fmla="*/ 0 w 6992892"/>
+              <a:gd name="connsiteY0" fmla="*/ 992963 h 5185588"/>
+              <a:gd name="connsiteX1" fmla="*/ 847288 w 6992892"/>
+              <a:gd name="connsiteY1" fmla="*/ 1588582 h 5185588"/>
+              <a:gd name="connsiteX2" fmla="*/ 2782104 w 6992892"/>
+              <a:gd name="connsiteY2" fmla="*/ 99963 h 5185588"/>
+              <a:gd name="connsiteX3" fmla="*/ 5278012 w 6992892"/>
+              <a:gd name="connsiteY3" fmla="*/ 4886550 h 5185588"/>
+              <a:gd name="connsiteX4" fmla="*/ 6992892 w 6992892"/>
+              <a:gd name="connsiteY4" fmla="*/ 4340778 h 5185588"/>
             </a:gdLst>
             <a:ahLst/>
             <a:cxnLst>
@@ -3196,29 +3241,29 @@
             </a:cxnLst>
             <a:rect l="l" t="t" r="r" b="b"/>
             <a:pathLst>
-              <a:path w="6979640" h="5161563">
+              <a:path w="6992892" h="5185588">
                 <a:moveTo>
-                  <a:pt x="0" y="1385314"/>
+                  <a:pt x="0" y="992963"/>
                 </a:moveTo>
                 <a:cubicBezTo>
-                  <a:pt x="199238" y="1811055"/>
-                  <a:pt x="401273" y="2200445"/>
-                  <a:pt x="847288" y="1980933"/>
+                  <a:pt x="199238" y="1418704"/>
+                  <a:pt x="383604" y="1737415"/>
+                  <a:pt x="847288" y="1588582"/>
                 </a:cubicBezTo>
                 <a:cubicBezTo>
-                  <a:pt x="1293303" y="1761421"/>
-                  <a:pt x="1942051" y="-408531"/>
-                  <a:pt x="2676088" y="68243"/>
+                  <a:pt x="1310972" y="1439749"/>
+                  <a:pt x="2043650" y="-449698"/>
+                  <a:pt x="2782104" y="99963"/>
                 </a:cubicBezTo>
                 <a:cubicBezTo>
-                  <a:pt x="3410125" y="545017"/>
-                  <a:pt x="4534249" y="4121524"/>
-                  <a:pt x="5251508" y="4841579"/>
+                  <a:pt x="3520558" y="649624"/>
+                  <a:pt x="4560753" y="4166495"/>
+                  <a:pt x="5278012" y="4886550"/>
                 </a:cubicBezTo>
                 <a:cubicBezTo>
-                  <a:pt x="5968767" y="5561634"/>
-                  <a:pt x="6452531" y="4914283"/>
-                  <a:pt x="6979640" y="4388573"/>
+                  <a:pt x="5995271" y="5606605"/>
+                  <a:pt x="6465783" y="4866488"/>
+                  <a:pt x="6992892" y="4340778"/>
                 </a:cubicBezTo>
               </a:path>
             </a:pathLst>
@@ -3264,8 +3309,8 @@
         </p:nvSpPr>
         <p:spPr>
           <a:xfrm>
-            <a:off x="2485823" y="650576"/>
-            <a:ext cx="6996418" cy="5150807"/>
+            <a:off x="2485823" y="1292839"/>
+            <a:ext cx="7022923" cy="5126755"/>
           </a:xfrm>
           <a:custGeom>
             <a:avLst/>
@@ -3410,6 +3455,66 @@
               <a:gd name="connsiteY3" fmla="*/ 4834684 h 5150807"/>
               <a:gd name="connsiteX4" fmla="*/ 6996418 w 6996418"/>
               <a:gd name="connsiteY4" fmla="*/ 4373289 h 5150807"/>
+              <a:gd name="connsiteX0" fmla="*/ 0 w 6996418"/>
+              <a:gd name="connsiteY0" fmla="*/ 596596 h 4511597"/>
+              <a:gd name="connsiteX1" fmla="*/ 847288 w 6996418"/>
+              <a:gd name="connsiteY1" fmla="*/ 1192215 h 4511597"/>
+              <a:gd name="connsiteX2" fmla="*/ 2676088 w 6996418"/>
+              <a:gd name="connsiteY2" fmla="*/ 101524 h 4511597"/>
+              <a:gd name="connsiteX3" fmla="*/ 5251508 w 6996418"/>
+              <a:gd name="connsiteY3" fmla="*/ 4195474 h 4511597"/>
+              <a:gd name="connsiteX4" fmla="*/ 6996418 w 6996418"/>
+              <a:gd name="connsiteY4" fmla="*/ 3734079 h 4511597"/>
+              <a:gd name="connsiteX0" fmla="*/ 0 w 6996418"/>
+              <a:gd name="connsiteY0" fmla="*/ 631030 h 5077558"/>
+              <a:gd name="connsiteX1" fmla="*/ 847288 w 6996418"/>
+              <a:gd name="connsiteY1" fmla="*/ 1226649 h 5077558"/>
+              <a:gd name="connsiteX2" fmla="*/ 2676088 w 6996418"/>
+              <a:gd name="connsiteY2" fmla="*/ 135958 h 5077558"/>
+              <a:gd name="connsiteX3" fmla="*/ 5225003 w 6996418"/>
+              <a:gd name="connsiteY3" fmla="*/ 4866013 h 5077558"/>
+              <a:gd name="connsiteX4" fmla="*/ 6996418 w 6996418"/>
+              <a:gd name="connsiteY4" fmla="*/ 3768513 h 5077558"/>
+              <a:gd name="connsiteX0" fmla="*/ 0 w 7022923"/>
+              <a:gd name="connsiteY0" fmla="*/ 631030 h 5164240"/>
+              <a:gd name="connsiteX1" fmla="*/ 847288 w 7022923"/>
+              <a:gd name="connsiteY1" fmla="*/ 1226649 h 5164240"/>
+              <a:gd name="connsiteX2" fmla="*/ 2676088 w 7022923"/>
+              <a:gd name="connsiteY2" fmla="*/ 135958 h 5164240"/>
+              <a:gd name="connsiteX3" fmla="*/ 5225003 w 7022923"/>
+              <a:gd name="connsiteY3" fmla="*/ 4866013 h 5164240"/>
+              <a:gd name="connsiteX4" fmla="*/ 7022923 w 7022923"/>
+              <a:gd name="connsiteY4" fmla="*/ 4325104 h 5164240"/>
+              <a:gd name="connsiteX0" fmla="*/ 0 w 7022923"/>
+              <a:gd name="connsiteY0" fmla="*/ 618527 h 5151737"/>
+              <a:gd name="connsiteX1" fmla="*/ 847288 w 7022923"/>
+              <a:gd name="connsiteY1" fmla="*/ 1214146 h 5151737"/>
+              <a:gd name="connsiteX2" fmla="*/ 2782105 w 7022923"/>
+              <a:gd name="connsiteY2" fmla="*/ 136707 h 5151737"/>
+              <a:gd name="connsiteX3" fmla="*/ 5225003 w 7022923"/>
+              <a:gd name="connsiteY3" fmla="*/ 4853510 h 5151737"/>
+              <a:gd name="connsiteX4" fmla="*/ 7022923 w 7022923"/>
+              <a:gd name="connsiteY4" fmla="*/ 4312601 h 5151737"/>
+              <a:gd name="connsiteX0" fmla="*/ 0 w 7022923"/>
+              <a:gd name="connsiteY0" fmla="*/ 606032 h 5139242"/>
+              <a:gd name="connsiteX1" fmla="*/ 847288 w 7022923"/>
+              <a:gd name="connsiteY1" fmla="*/ 1201651 h 5139242"/>
+              <a:gd name="connsiteX2" fmla="*/ 2861618 w 7022923"/>
+              <a:gd name="connsiteY2" fmla="*/ 137464 h 5139242"/>
+              <a:gd name="connsiteX3" fmla="*/ 5225003 w 7022923"/>
+              <a:gd name="connsiteY3" fmla="*/ 4841015 h 5139242"/>
+              <a:gd name="connsiteX4" fmla="*/ 7022923 w 7022923"/>
+              <a:gd name="connsiteY4" fmla="*/ 4300106 h 5139242"/>
+              <a:gd name="connsiteX0" fmla="*/ 0 w 7022923"/>
+              <a:gd name="connsiteY0" fmla="*/ 593545 h 5126755"/>
+              <a:gd name="connsiteX1" fmla="*/ 847288 w 7022923"/>
+              <a:gd name="connsiteY1" fmla="*/ 1189164 h 5126755"/>
+              <a:gd name="connsiteX2" fmla="*/ 2848366 w 7022923"/>
+              <a:gd name="connsiteY2" fmla="*/ 138229 h 5126755"/>
+              <a:gd name="connsiteX3" fmla="*/ 5225003 w 7022923"/>
+              <a:gd name="connsiteY3" fmla="*/ 4828528 h 5126755"/>
+              <a:gd name="connsiteX4" fmla="*/ 7022923 w 7022923"/>
+              <a:gd name="connsiteY4" fmla="*/ 4287619 h 5126755"/>
             </a:gdLst>
             <a:ahLst/>
             <a:cxnLst>
@@ -3431,29 +3536,29 @@
             </a:cxnLst>
             <a:rect l="l" t="t" r="r" b="b"/>
             <a:pathLst>
-              <a:path w="6996418" h="5150807">
+              <a:path w="7022923" h="5126755">
                 <a:moveTo>
-                  <a:pt x="0" y="1235806"/>
+                  <a:pt x="0" y="593545"/>
                 </a:moveTo>
                 <a:cubicBezTo>
-                  <a:pt x="199238" y="1661547"/>
-                  <a:pt x="401273" y="2024372"/>
-                  <a:pt x="847288" y="1831425"/>
+                  <a:pt x="199238" y="1019286"/>
+                  <a:pt x="372560" y="1265050"/>
+                  <a:pt x="847288" y="1189164"/>
                 </a:cubicBezTo>
                 <a:cubicBezTo>
-                  <a:pt x="1293303" y="1638478"/>
-                  <a:pt x="1942051" y="-422417"/>
-                  <a:pt x="2676088" y="78126"/>
+                  <a:pt x="1322016" y="1113278"/>
+                  <a:pt x="2118747" y="-468332"/>
+                  <a:pt x="2848366" y="138229"/>
                 </a:cubicBezTo>
                 <a:cubicBezTo>
-                  <a:pt x="3410125" y="578669"/>
-                  <a:pt x="4531453" y="4118824"/>
-                  <a:pt x="5251508" y="4834684"/>
+                  <a:pt x="3577985" y="744790"/>
+                  <a:pt x="4504948" y="4112668"/>
+                  <a:pt x="5225003" y="4828528"/>
                 </a:cubicBezTo>
                 <a:cubicBezTo>
-                  <a:pt x="5971563" y="5550544"/>
-                  <a:pt x="6469309" y="4898999"/>
-                  <a:pt x="6996418" y="4373289"/>
+                  <a:pt x="5945058" y="5544388"/>
+                  <a:pt x="6495814" y="4813329"/>
+                  <a:pt x="7022923" y="4287619"/>
                 </a:cubicBezTo>
               </a:path>
             </a:pathLst>
